--- a/ppt 16-9/0172.欢乐佳音.pptx
+++ b/ppt 16-9/0172.欢乐佳音.pptx
@@ -129,7 +129,7 @@
           <p:cNvPr id="2" name="标题 1">
             <a:extLst>
               <a:ext uri="{FF2B5EF4-FFF2-40B4-BE49-F238E27FC236}">
-                <a16:creationId xmlns:a16="http://schemas.microsoft.com/office/drawing/2014/main" id="{3A66761A-AD36-C314-E02F-A57C665CC0CB}"/>
+                <a16:creationId xmlns:a16="http://schemas.microsoft.com/office/drawing/2014/main" id="{D2BA549D-FC13-1B9E-F22C-5EA92AE46FEB}"/>
               </a:ext>
             </a:extLst>
           </p:cNvPr>
@@ -166,7 +166,7 @@
           <p:cNvPr id="3" name="副标题 2">
             <a:extLst>
               <a:ext uri="{FF2B5EF4-FFF2-40B4-BE49-F238E27FC236}">
-                <a16:creationId xmlns:a16="http://schemas.microsoft.com/office/drawing/2014/main" id="{E27EA2E4-4075-F438-AB9A-207D5351F700}"/>
+                <a16:creationId xmlns:a16="http://schemas.microsoft.com/office/drawing/2014/main" id="{DF96A0DC-5153-DB9D-8F75-CB46A692311A}"/>
               </a:ext>
             </a:extLst>
           </p:cNvPr>
@@ -236,7 +236,7 @@
           <p:cNvPr id="4" name="日期占位符 3">
             <a:extLst>
               <a:ext uri="{FF2B5EF4-FFF2-40B4-BE49-F238E27FC236}">
-                <a16:creationId xmlns:a16="http://schemas.microsoft.com/office/drawing/2014/main" id="{AF301B01-B330-30DC-E989-60CDAB071B8E}"/>
+                <a16:creationId xmlns:a16="http://schemas.microsoft.com/office/drawing/2014/main" id="{9BBD3DBB-2F40-0721-E2DB-2E6FE3438DFB}"/>
               </a:ext>
             </a:extLst>
           </p:cNvPr>
@@ -252,7 +252,7 @@
           <a:bodyPr/>
           <a:lstStyle/>
           <a:p>
-            <a:fld id="{7E769DB2-2584-4C04-8BFE-38E373B0F723}" type="datetimeFigureOut">
+            <a:fld id="{3316294B-4E36-4581-9E71-41B113693FF1}" type="datetimeFigureOut">
               <a:rPr lang="zh-CN" altLang="en-US" smtClean="0"/>
               <a:t>2024/3/10</a:t>
             </a:fld>
@@ -265,7 +265,7 @@
           <p:cNvPr id="5" name="页脚占位符 4">
             <a:extLst>
               <a:ext uri="{FF2B5EF4-FFF2-40B4-BE49-F238E27FC236}">
-                <a16:creationId xmlns:a16="http://schemas.microsoft.com/office/drawing/2014/main" id="{FA83B8CA-B31F-04BC-6B3D-975E794CFC0C}"/>
+                <a16:creationId xmlns:a16="http://schemas.microsoft.com/office/drawing/2014/main" id="{20C98A38-1FCE-D317-275D-58FDAF886CD4}"/>
               </a:ext>
             </a:extLst>
           </p:cNvPr>
@@ -290,7 +290,7 @@
           <p:cNvPr id="6" name="灯片编号占位符 5">
             <a:extLst>
               <a:ext uri="{FF2B5EF4-FFF2-40B4-BE49-F238E27FC236}">
-                <a16:creationId xmlns:a16="http://schemas.microsoft.com/office/drawing/2014/main" id="{F1706357-5C53-205D-059A-7745403EDC43}"/>
+                <a16:creationId xmlns:a16="http://schemas.microsoft.com/office/drawing/2014/main" id="{A0062EED-C7BF-78DA-10AD-8831C99D421D}"/>
               </a:ext>
             </a:extLst>
           </p:cNvPr>
@@ -306,7 +306,7 @@
           <a:bodyPr/>
           <a:lstStyle/>
           <a:p>
-            <a:fld id="{886915D8-C08D-4675-9495-03DAEEC9B294}" type="slidenum">
+            <a:fld id="{B135F376-383A-4709-8E2A-5C4810885492}" type="slidenum">
               <a:rPr lang="zh-CN" altLang="en-US" smtClean="0"/>
               <a:t>‹#›</a:t>
             </a:fld>
@@ -317,7 +317,7 @@
     </p:spTree>
     <p:extLst>
       <p:ext uri="{BB962C8B-B14F-4D97-AF65-F5344CB8AC3E}">
-        <p14:creationId xmlns:p14="http://schemas.microsoft.com/office/powerpoint/2010/main" val="1072012451"/>
+        <p14:creationId xmlns:p14="http://schemas.microsoft.com/office/powerpoint/2010/main" val="1278446621"/>
       </p:ext>
     </p:extLst>
   </p:cSld>
@@ -349,7 +349,7 @@
           <p:cNvPr id="2" name="标题 1">
             <a:extLst>
               <a:ext uri="{FF2B5EF4-FFF2-40B4-BE49-F238E27FC236}">
-                <a16:creationId xmlns:a16="http://schemas.microsoft.com/office/drawing/2014/main" id="{AF78DB65-9218-D65C-C8E0-B2A348CE441B}"/>
+                <a16:creationId xmlns:a16="http://schemas.microsoft.com/office/drawing/2014/main" id="{E62D90E2-ECFC-D24B-9F21-6CDCDA13C9EA}"/>
               </a:ext>
             </a:extLst>
           </p:cNvPr>
@@ -377,7 +377,7 @@
           <p:cNvPr id="3" name="竖排文字占位符 2">
             <a:extLst>
               <a:ext uri="{FF2B5EF4-FFF2-40B4-BE49-F238E27FC236}">
-                <a16:creationId xmlns:a16="http://schemas.microsoft.com/office/drawing/2014/main" id="{8EECA8AA-5B01-EC24-E49D-783D91B33B30}"/>
+                <a16:creationId xmlns:a16="http://schemas.microsoft.com/office/drawing/2014/main" id="{16B31183-7322-D7D5-6F23-4D69C88DCD78}"/>
               </a:ext>
             </a:extLst>
           </p:cNvPr>
@@ -434,7 +434,7 @@
           <p:cNvPr id="4" name="日期占位符 3">
             <a:extLst>
               <a:ext uri="{FF2B5EF4-FFF2-40B4-BE49-F238E27FC236}">
-                <a16:creationId xmlns:a16="http://schemas.microsoft.com/office/drawing/2014/main" id="{CF35F3A0-6484-8D4D-49B0-899A95E136F3}"/>
+                <a16:creationId xmlns:a16="http://schemas.microsoft.com/office/drawing/2014/main" id="{54647E68-9AD7-E13F-785E-381D5C1E454E}"/>
               </a:ext>
             </a:extLst>
           </p:cNvPr>
@@ -450,7 +450,7 @@
           <a:bodyPr/>
           <a:lstStyle/>
           <a:p>
-            <a:fld id="{7E769DB2-2584-4C04-8BFE-38E373B0F723}" type="datetimeFigureOut">
+            <a:fld id="{3316294B-4E36-4581-9E71-41B113693FF1}" type="datetimeFigureOut">
               <a:rPr lang="zh-CN" altLang="en-US" smtClean="0"/>
               <a:t>2024/3/10</a:t>
             </a:fld>
@@ -463,7 +463,7 @@
           <p:cNvPr id="5" name="页脚占位符 4">
             <a:extLst>
               <a:ext uri="{FF2B5EF4-FFF2-40B4-BE49-F238E27FC236}">
-                <a16:creationId xmlns:a16="http://schemas.microsoft.com/office/drawing/2014/main" id="{5B53E3F3-A692-1FDC-7AE2-D2B4873C42F6}"/>
+                <a16:creationId xmlns:a16="http://schemas.microsoft.com/office/drawing/2014/main" id="{C77F747F-85A2-6E88-E969-F612B353EA78}"/>
               </a:ext>
             </a:extLst>
           </p:cNvPr>
@@ -488,7 +488,7 @@
           <p:cNvPr id="6" name="灯片编号占位符 5">
             <a:extLst>
               <a:ext uri="{FF2B5EF4-FFF2-40B4-BE49-F238E27FC236}">
-                <a16:creationId xmlns:a16="http://schemas.microsoft.com/office/drawing/2014/main" id="{F5372847-FD57-1732-F5CB-AE01E80281DA}"/>
+                <a16:creationId xmlns:a16="http://schemas.microsoft.com/office/drawing/2014/main" id="{D30AB820-258E-74DC-E476-CF9B334EFA13}"/>
               </a:ext>
             </a:extLst>
           </p:cNvPr>
@@ -504,7 +504,7 @@
           <a:bodyPr/>
           <a:lstStyle/>
           <a:p>
-            <a:fld id="{886915D8-C08D-4675-9495-03DAEEC9B294}" type="slidenum">
+            <a:fld id="{B135F376-383A-4709-8E2A-5C4810885492}" type="slidenum">
               <a:rPr lang="zh-CN" altLang="en-US" smtClean="0"/>
               <a:t>‹#›</a:t>
             </a:fld>
@@ -515,7 +515,7 @@
     </p:spTree>
     <p:extLst>
       <p:ext uri="{BB962C8B-B14F-4D97-AF65-F5344CB8AC3E}">
-        <p14:creationId xmlns:p14="http://schemas.microsoft.com/office/powerpoint/2010/main" val="3401169264"/>
+        <p14:creationId xmlns:p14="http://schemas.microsoft.com/office/powerpoint/2010/main" val="3858876205"/>
       </p:ext>
     </p:extLst>
   </p:cSld>
@@ -547,7 +547,7 @@
           <p:cNvPr id="2" name="竖排标题 1">
             <a:extLst>
               <a:ext uri="{FF2B5EF4-FFF2-40B4-BE49-F238E27FC236}">
-                <a16:creationId xmlns:a16="http://schemas.microsoft.com/office/drawing/2014/main" id="{03743230-4456-25B4-60BC-B712E6B026EF}"/>
+                <a16:creationId xmlns:a16="http://schemas.microsoft.com/office/drawing/2014/main" id="{C94D6A57-7325-617F-5BA1-607FB450242A}"/>
               </a:ext>
             </a:extLst>
           </p:cNvPr>
@@ -580,7 +580,7 @@
           <p:cNvPr id="3" name="竖排文字占位符 2">
             <a:extLst>
               <a:ext uri="{FF2B5EF4-FFF2-40B4-BE49-F238E27FC236}">
-                <a16:creationId xmlns:a16="http://schemas.microsoft.com/office/drawing/2014/main" id="{D596DDA1-8818-5E93-294B-E8F44EB2454E}"/>
+                <a16:creationId xmlns:a16="http://schemas.microsoft.com/office/drawing/2014/main" id="{5FA7CA34-5819-D827-35A5-1FB2D91B6265}"/>
               </a:ext>
             </a:extLst>
           </p:cNvPr>
@@ -642,7 +642,7 @@
           <p:cNvPr id="4" name="日期占位符 3">
             <a:extLst>
               <a:ext uri="{FF2B5EF4-FFF2-40B4-BE49-F238E27FC236}">
-                <a16:creationId xmlns:a16="http://schemas.microsoft.com/office/drawing/2014/main" id="{F98153AF-49A2-291D-4FA0-11C79F542D38}"/>
+                <a16:creationId xmlns:a16="http://schemas.microsoft.com/office/drawing/2014/main" id="{C4F674AE-EB60-572C-8BE0-4124B872F4AA}"/>
               </a:ext>
             </a:extLst>
           </p:cNvPr>
@@ -658,7 +658,7 @@
           <a:bodyPr/>
           <a:lstStyle/>
           <a:p>
-            <a:fld id="{7E769DB2-2584-4C04-8BFE-38E373B0F723}" type="datetimeFigureOut">
+            <a:fld id="{3316294B-4E36-4581-9E71-41B113693FF1}" type="datetimeFigureOut">
               <a:rPr lang="zh-CN" altLang="en-US" smtClean="0"/>
               <a:t>2024/3/10</a:t>
             </a:fld>
@@ -671,7 +671,7 @@
           <p:cNvPr id="5" name="页脚占位符 4">
             <a:extLst>
               <a:ext uri="{FF2B5EF4-FFF2-40B4-BE49-F238E27FC236}">
-                <a16:creationId xmlns:a16="http://schemas.microsoft.com/office/drawing/2014/main" id="{36BE98E8-BB1B-F892-1F8D-8D8E889A5D32}"/>
+                <a16:creationId xmlns:a16="http://schemas.microsoft.com/office/drawing/2014/main" id="{90E6952A-B858-8037-E0FA-87C56321FAB4}"/>
               </a:ext>
             </a:extLst>
           </p:cNvPr>
@@ -696,7 +696,7 @@
           <p:cNvPr id="6" name="灯片编号占位符 5">
             <a:extLst>
               <a:ext uri="{FF2B5EF4-FFF2-40B4-BE49-F238E27FC236}">
-                <a16:creationId xmlns:a16="http://schemas.microsoft.com/office/drawing/2014/main" id="{E1D96D4B-509C-7A9E-953D-3480B5B05782}"/>
+                <a16:creationId xmlns:a16="http://schemas.microsoft.com/office/drawing/2014/main" id="{95C56767-2CAC-349A-2642-D5D5CC4A1EE2}"/>
               </a:ext>
             </a:extLst>
           </p:cNvPr>
@@ -712,7 +712,7 @@
           <a:bodyPr/>
           <a:lstStyle/>
           <a:p>
-            <a:fld id="{886915D8-C08D-4675-9495-03DAEEC9B294}" type="slidenum">
+            <a:fld id="{B135F376-383A-4709-8E2A-5C4810885492}" type="slidenum">
               <a:rPr lang="zh-CN" altLang="en-US" smtClean="0"/>
               <a:t>‹#›</a:t>
             </a:fld>
@@ -723,7 +723,7 @@
     </p:spTree>
     <p:extLst>
       <p:ext uri="{BB962C8B-B14F-4D97-AF65-F5344CB8AC3E}">
-        <p14:creationId xmlns:p14="http://schemas.microsoft.com/office/powerpoint/2010/main" val="2983601701"/>
+        <p14:creationId xmlns:p14="http://schemas.microsoft.com/office/powerpoint/2010/main" val="3355180494"/>
       </p:ext>
     </p:extLst>
   </p:cSld>
@@ -755,7 +755,7 @@
           <p:cNvPr id="2" name="标题 1">
             <a:extLst>
               <a:ext uri="{FF2B5EF4-FFF2-40B4-BE49-F238E27FC236}">
-                <a16:creationId xmlns:a16="http://schemas.microsoft.com/office/drawing/2014/main" id="{1993C95A-62D2-7CC6-F767-59FAAD8E9979}"/>
+                <a16:creationId xmlns:a16="http://schemas.microsoft.com/office/drawing/2014/main" id="{C1A5C0E9-BE16-0492-59EB-930024AE5D39}"/>
               </a:ext>
             </a:extLst>
           </p:cNvPr>
@@ -783,7 +783,7 @@
           <p:cNvPr id="3" name="内容占位符 2">
             <a:extLst>
               <a:ext uri="{FF2B5EF4-FFF2-40B4-BE49-F238E27FC236}">
-                <a16:creationId xmlns:a16="http://schemas.microsoft.com/office/drawing/2014/main" id="{79BD44C7-C7C0-2293-5E6A-AB888194CC45}"/>
+                <a16:creationId xmlns:a16="http://schemas.microsoft.com/office/drawing/2014/main" id="{696290E2-CB92-C775-1C38-98EDEB789552}"/>
               </a:ext>
             </a:extLst>
           </p:cNvPr>
@@ -840,7 +840,7 @@
           <p:cNvPr id="4" name="日期占位符 3">
             <a:extLst>
               <a:ext uri="{FF2B5EF4-FFF2-40B4-BE49-F238E27FC236}">
-                <a16:creationId xmlns:a16="http://schemas.microsoft.com/office/drawing/2014/main" id="{F75DB28B-678B-E272-6ED9-44A8E9FFC026}"/>
+                <a16:creationId xmlns:a16="http://schemas.microsoft.com/office/drawing/2014/main" id="{C805E1B0-7C8D-44FF-0DD0-72429065D69D}"/>
               </a:ext>
             </a:extLst>
           </p:cNvPr>
@@ -856,7 +856,7 @@
           <a:bodyPr/>
           <a:lstStyle/>
           <a:p>
-            <a:fld id="{7E769DB2-2584-4C04-8BFE-38E373B0F723}" type="datetimeFigureOut">
+            <a:fld id="{3316294B-4E36-4581-9E71-41B113693FF1}" type="datetimeFigureOut">
               <a:rPr lang="zh-CN" altLang="en-US" smtClean="0"/>
               <a:t>2024/3/10</a:t>
             </a:fld>
@@ -869,7 +869,7 @@
           <p:cNvPr id="5" name="页脚占位符 4">
             <a:extLst>
               <a:ext uri="{FF2B5EF4-FFF2-40B4-BE49-F238E27FC236}">
-                <a16:creationId xmlns:a16="http://schemas.microsoft.com/office/drawing/2014/main" id="{C8AC6ED1-67A9-2387-6770-D4BD64192D1B}"/>
+                <a16:creationId xmlns:a16="http://schemas.microsoft.com/office/drawing/2014/main" id="{5393B2E1-35D4-6CDC-1F1F-B3BFCF63C53A}"/>
               </a:ext>
             </a:extLst>
           </p:cNvPr>
@@ -894,7 +894,7 @@
           <p:cNvPr id="6" name="灯片编号占位符 5">
             <a:extLst>
               <a:ext uri="{FF2B5EF4-FFF2-40B4-BE49-F238E27FC236}">
-                <a16:creationId xmlns:a16="http://schemas.microsoft.com/office/drawing/2014/main" id="{55D57FA5-FC5E-9C2D-4BC7-1D6EE054B031}"/>
+                <a16:creationId xmlns:a16="http://schemas.microsoft.com/office/drawing/2014/main" id="{25309FA8-0810-9804-B8E7-4A7BE929F566}"/>
               </a:ext>
             </a:extLst>
           </p:cNvPr>
@@ -910,7 +910,7 @@
           <a:bodyPr/>
           <a:lstStyle/>
           <a:p>
-            <a:fld id="{886915D8-C08D-4675-9495-03DAEEC9B294}" type="slidenum">
+            <a:fld id="{B135F376-383A-4709-8E2A-5C4810885492}" type="slidenum">
               <a:rPr lang="zh-CN" altLang="en-US" smtClean="0"/>
               <a:t>‹#›</a:t>
             </a:fld>
@@ -921,7 +921,7 @@
     </p:spTree>
     <p:extLst>
       <p:ext uri="{BB962C8B-B14F-4D97-AF65-F5344CB8AC3E}">
-        <p14:creationId xmlns:p14="http://schemas.microsoft.com/office/powerpoint/2010/main" val="3346429458"/>
+        <p14:creationId xmlns:p14="http://schemas.microsoft.com/office/powerpoint/2010/main" val="2636889935"/>
       </p:ext>
     </p:extLst>
   </p:cSld>
@@ -953,7 +953,7 @@
           <p:cNvPr id="2" name="标题 1">
             <a:extLst>
               <a:ext uri="{FF2B5EF4-FFF2-40B4-BE49-F238E27FC236}">
-                <a16:creationId xmlns:a16="http://schemas.microsoft.com/office/drawing/2014/main" id="{4C649129-3176-4314-114C-FEE2EE081052}"/>
+                <a16:creationId xmlns:a16="http://schemas.microsoft.com/office/drawing/2014/main" id="{47148167-99A5-A358-F362-9C91C6A2490D}"/>
               </a:ext>
             </a:extLst>
           </p:cNvPr>
@@ -990,7 +990,7 @@
           <p:cNvPr id="3" name="文本占位符 2">
             <a:extLst>
               <a:ext uri="{FF2B5EF4-FFF2-40B4-BE49-F238E27FC236}">
-                <a16:creationId xmlns:a16="http://schemas.microsoft.com/office/drawing/2014/main" id="{78E2B7E8-711A-EDB2-C37D-B34614BB6A76}"/>
+                <a16:creationId xmlns:a16="http://schemas.microsoft.com/office/drawing/2014/main" id="{25C8111C-4461-ECA7-F957-675C23C8FF3B}"/>
               </a:ext>
             </a:extLst>
           </p:cNvPr>
@@ -1115,7 +1115,7 @@
           <p:cNvPr id="4" name="日期占位符 3">
             <a:extLst>
               <a:ext uri="{FF2B5EF4-FFF2-40B4-BE49-F238E27FC236}">
-                <a16:creationId xmlns:a16="http://schemas.microsoft.com/office/drawing/2014/main" id="{61963FA1-6575-54EA-CE82-558154445760}"/>
+                <a16:creationId xmlns:a16="http://schemas.microsoft.com/office/drawing/2014/main" id="{D94687C2-6EA0-D75B-2EB0-E6A571020594}"/>
               </a:ext>
             </a:extLst>
           </p:cNvPr>
@@ -1131,7 +1131,7 @@
           <a:bodyPr/>
           <a:lstStyle/>
           <a:p>
-            <a:fld id="{7E769DB2-2584-4C04-8BFE-38E373B0F723}" type="datetimeFigureOut">
+            <a:fld id="{3316294B-4E36-4581-9E71-41B113693FF1}" type="datetimeFigureOut">
               <a:rPr lang="zh-CN" altLang="en-US" smtClean="0"/>
               <a:t>2024/3/10</a:t>
             </a:fld>
@@ -1144,7 +1144,7 @@
           <p:cNvPr id="5" name="页脚占位符 4">
             <a:extLst>
               <a:ext uri="{FF2B5EF4-FFF2-40B4-BE49-F238E27FC236}">
-                <a16:creationId xmlns:a16="http://schemas.microsoft.com/office/drawing/2014/main" id="{C0860F6A-84E1-03DF-7122-8C422F210DB6}"/>
+                <a16:creationId xmlns:a16="http://schemas.microsoft.com/office/drawing/2014/main" id="{FBCB6672-9FFB-A304-702C-2B4156B94392}"/>
               </a:ext>
             </a:extLst>
           </p:cNvPr>
@@ -1169,7 +1169,7 @@
           <p:cNvPr id="6" name="灯片编号占位符 5">
             <a:extLst>
               <a:ext uri="{FF2B5EF4-FFF2-40B4-BE49-F238E27FC236}">
-                <a16:creationId xmlns:a16="http://schemas.microsoft.com/office/drawing/2014/main" id="{489B4BCC-C95E-9C58-97D4-98D14E5DF048}"/>
+                <a16:creationId xmlns:a16="http://schemas.microsoft.com/office/drawing/2014/main" id="{BF50DB57-C79B-1B07-C728-0875BC382A4F}"/>
               </a:ext>
             </a:extLst>
           </p:cNvPr>
@@ -1185,7 +1185,7 @@
           <a:bodyPr/>
           <a:lstStyle/>
           <a:p>
-            <a:fld id="{886915D8-C08D-4675-9495-03DAEEC9B294}" type="slidenum">
+            <a:fld id="{B135F376-383A-4709-8E2A-5C4810885492}" type="slidenum">
               <a:rPr lang="zh-CN" altLang="en-US" smtClean="0"/>
               <a:t>‹#›</a:t>
             </a:fld>
@@ -1196,7 +1196,7 @@
     </p:spTree>
     <p:extLst>
       <p:ext uri="{BB962C8B-B14F-4D97-AF65-F5344CB8AC3E}">
-        <p14:creationId xmlns:p14="http://schemas.microsoft.com/office/powerpoint/2010/main" val="1202311623"/>
+        <p14:creationId xmlns:p14="http://schemas.microsoft.com/office/powerpoint/2010/main" val="3940792907"/>
       </p:ext>
     </p:extLst>
   </p:cSld>
@@ -1228,7 +1228,7 @@
           <p:cNvPr id="2" name="标题 1">
             <a:extLst>
               <a:ext uri="{FF2B5EF4-FFF2-40B4-BE49-F238E27FC236}">
-                <a16:creationId xmlns:a16="http://schemas.microsoft.com/office/drawing/2014/main" id="{B1C81E13-CC23-7D1F-76C9-B487D29F2AC6}"/>
+                <a16:creationId xmlns:a16="http://schemas.microsoft.com/office/drawing/2014/main" id="{D46DF87E-0106-BDCD-6009-0ADE6D6A4E08}"/>
               </a:ext>
             </a:extLst>
           </p:cNvPr>
@@ -1256,7 +1256,7 @@
           <p:cNvPr id="3" name="内容占位符 2">
             <a:extLst>
               <a:ext uri="{FF2B5EF4-FFF2-40B4-BE49-F238E27FC236}">
-                <a16:creationId xmlns:a16="http://schemas.microsoft.com/office/drawing/2014/main" id="{1B9B5D4F-EBF7-E89A-DE30-EB29B47D9A45}"/>
+                <a16:creationId xmlns:a16="http://schemas.microsoft.com/office/drawing/2014/main" id="{06720CFD-1829-C051-E43E-0339236FA2A1}"/>
               </a:ext>
             </a:extLst>
           </p:cNvPr>
@@ -1318,7 +1318,7 @@
           <p:cNvPr id="4" name="内容占位符 3">
             <a:extLst>
               <a:ext uri="{FF2B5EF4-FFF2-40B4-BE49-F238E27FC236}">
-                <a16:creationId xmlns:a16="http://schemas.microsoft.com/office/drawing/2014/main" id="{C8DE2034-6259-1DFD-35FE-32455323355C}"/>
+                <a16:creationId xmlns:a16="http://schemas.microsoft.com/office/drawing/2014/main" id="{D5F99F0B-A957-9B2B-11C9-67133DDD0ABA}"/>
               </a:ext>
             </a:extLst>
           </p:cNvPr>
@@ -1380,7 +1380,7 @@
           <p:cNvPr id="5" name="日期占位符 4">
             <a:extLst>
               <a:ext uri="{FF2B5EF4-FFF2-40B4-BE49-F238E27FC236}">
-                <a16:creationId xmlns:a16="http://schemas.microsoft.com/office/drawing/2014/main" id="{FA3C00C3-81CA-AE0B-999D-C2558C552A75}"/>
+                <a16:creationId xmlns:a16="http://schemas.microsoft.com/office/drawing/2014/main" id="{05DF9342-445B-D1E0-2D86-44A56E566F17}"/>
               </a:ext>
             </a:extLst>
           </p:cNvPr>
@@ -1396,7 +1396,7 @@
           <a:bodyPr/>
           <a:lstStyle/>
           <a:p>
-            <a:fld id="{7E769DB2-2584-4C04-8BFE-38E373B0F723}" type="datetimeFigureOut">
+            <a:fld id="{3316294B-4E36-4581-9E71-41B113693FF1}" type="datetimeFigureOut">
               <a:rPr lang="zh-CN" altLang="en-US" smtClean="0"/>
               <a:t>2024/3/10</a:t>
             </a:fld>
@@ -1409,7 +1409,7 @@
           <p:cNvPr id="6" name="页脚占位符 5">
             <a:extLst>
               <a:ext uri="{FF2B5EF4-FFF2-40B4-BE49-F238E27FC236}">
-                <a16:creationId xmlns:a16="http://schemas.microsoft.com/office/drawing/2014/main" id="{DB33D61F-671D-51FA-C15B-73217BB1246C}"/>
+                <a16:creationId xmlns:a16="http://schemas.microsoft.com/office/drawing/2014/main" id="{7A844943-3BFA-B5C3-609F-96BC26AA6E23}"/>
               </a:ext>
             </a:extLst>
           </p:cNvPr>
@@ -1434,7 +1434,7 @@
           <p:cNvPr id="7" name="灯片编号占位符 6">
             <a:extLst>
               <a:ext uri="{FF2B5EF4-FFF2-40B4-BE49-F238E27FC236}">
-                <a16:creationId xmlns:a16="http://schemas.microsoft.com/office/drawing/2014/main" id="{F1EFCB81-6A0E-319C-A4F5-AD9FC56A3882}"/>
+                <a16:creationId xmlns:a16="http://schemas.microsoft.com/office/drawing/2014/main" id="{797BA919-7FD3-D61D-CA2D-C7FF1522CC9F}"/>
               </a:ext>
             </a:extLst>
           </p:cNvPr>
@@ -1450,7 +1450,7 @@
           <a:bodyPr/>
           <a:lstStyle/>
           <a:p>
-            <a:fld id="{886915D8-C08D-4675-9495-03DAEEC9B294}" type="slidenum">
+            <a:fld id="{B135F376-383A-4709-8E2A-5C4810885492}" type="slidenum">
               <a:rPr lang="zh-CN" altLang="en-US" smtClean="0"/>
               <a:t>‹#›</a:t>
             </a:fld>
@@ -1461,7 +1461,7 @@
     </p:spTree>
     <p:extLst>
       <p:ext uri="{BB962C8B-B14F-4D97-AF65-F5344CB8AC3E}">
-        <p14:creationId xmlns:p14="http://schemas.microsoft.com/office/powerpoint/2010/main" val="2775491666"/>
+        <p14:creationId xmlns:p14="http://schemas.microsoft.com/office/powerpoint/2010/main" val="3945881252"/>
       </p:ext>
     </p:extLst>
   </p:cSld>
@@ -1493,7 +1493,7 @@
           <p:cNvPr id="2" name="标题 1">
             <a:extLst>
               <a:ext uri="{FF2B5EF4-FFF2-40B4-BE49-F238E27FC236}">
-                <a16:creationId xmlns:a16="http://schemas.microsoft.com/office/drawing/2014/main" id="{6BB0AF1D-E407-7791-6C37-03F40D523207}"/>
+                <a16:creationId xmlns:a16="http://schemas.microsoft.com/office/drawing/2014/main" id="{C9B38586-D6BB-D93F-069B-647F70B6F41E}"/>
               </a:ext>
             </a:extLst>
           </p:cNvPr>
@@ -1526,7 +1526,7 @@
           <p:cNvPr id="3" name="文本占位符 2">
             <a:extLst>
               <a:ext uri="{FF2B5EF4-FFF2-40B4-BE49-F238E27FC236}">
-                <a16:creationId xmlns:a16="http://schemas.microsoft.com/office/drawing/2014/main" id="{3F626698-2DB7-7A22-23ED-86BFC2DDCBC1}"/>
+                <a16:creationId xmlns:a16="http://schemas.microsoft.com/office/drawing/2014/main" id="{A23BC929-C2D7-FC4E-F5ED-632085CD2A96}"/>
               </a:ext>
             </a:extLst>
           </p:cNvPr>
@@ -1597,7 +1597,7 @@
           <p:cNvPr id="4" name="内容占位符 3">
             <a:extLst>
               <a:ext uri="{FF2B5EF4-FFF2-40B4-BE49-F238E27FC236}">
-                <a16:creationId xmlns:a16="http://schemas.microsoft.com/office/drawing/2014/main" id="{C0E7A1B4-B872-E128-A6BC-6168889C3018}"/>
+                <a16:creationId xmlns:a16="http://schemas.microsoft.com/office/drawing/2014/main" id="{6C62429C-D761-723F-FD63-4C837FA79729}"/>
               </a:ext>
             </a:extLst>
           </p:cNvPr>
@@ -1659,7 +1659,7 @@
           <p:cNvPr id="5" name="文本占位符 4">
             <a:extLst>
               <a:ext uri="{FF2B5EF4-FFF2-40B4-BE49-F238E27FC236}">
-                <a16:creationId xmlns:a16="http://schemas.microsoft.com/office/drawing/2014/main" id="{FBFE5B3A-6C06-286C-C543-A9C8909FF441}"/>
+                <a16:creationId xmlns:a16="http://schemas.microsoft.com/office/drawing/2014/main" id="{E2C2688C-DC62-E111-A87E-D95FD9D3D75D}"/>
               </a:ext>
             </a:extLst>
           </p:cNvPr>
@@ -1730,7 +1730,7 @@
           <p:cNvPr id="6" name="内容占位符 5">
             <a:extLst>
               <a:ext uri="{FF2B5EF4-FFF2-40B4-BE49-F238E27FC236}">
-                <a16:creationId xmlns:a16="http://schemas.microsoft.com/office/drawing/2014/main" id="{B8C895BD-4B39-AE10-9231-224D811E92F3}"/>
+                <a16:creationId xmlns:a16="http://schemas.microsoft.com/office/drawing/2014/main" id="{A458A819-3FCC-3C52-1E90-CA7716797A56}"/>
               </a:ext>
             </a:extLst>
           </p:cNvPr>
@@ -1792,7 +1792,7 @@
           <p:cNvPr id="7" name="日期占位符 6">
             <a:extLst>
               <a:ext uri="{FF2B5EF4-FFF2-40B4-BE49-F238E27FC236}">
-                <a16:creationId xmlns:a16="http://schemas.microsoft.com/office/drawing/2014/main" id="{596C3143-0188-84C3-A534-BCEDE0F50C7B}"/>
+                <a16:creationId xmlns:a16="http://schemas.microsoft.com/office/drawing/2014/main" id="{ACA35769-EF0A-5181-83AC-5E11C1CEC6CE}"/>
               </a:ext>
             </a:extLst>
           </p:cNvPr>
@@ -1808,7 +1808,7 @@
           <a:bodyPr/>
           <a:lstStyle/>
           <a:p>
-            <a:fld id="{7E769DB2-2584-4C04-8BFE-38E373B0F723}" type="datetimeFigureOut">
+            <a:fld id="{3316294B-4E36-4581-9E71-41B113693FF1}" type="datetimeFigureOut">
               <a:rPr lang="zh-CN" altLang="en-US" smtClean="0"/>
               <a:t>2024/3/10</a:t>
             </a:fld>
@@ -1821,7 +1821,7 @@
           <p:cNvPr id="8" name="页脚占位符 7">
             <a:extLst>
               <a:ext uri="{FF2B5EF4-FFF2-40B4-BE49-F238E27FC236}">
-                <a16:creationId xmlns:a16="http://schemas.microsoft.com/office/drawing/2014/main" id="{BFBCFF2A-B41E-52F9-9BFA-CE8CCEAEF7F6}"/>
+                <a16:creationId xmlns:a16="http://schemas.microsoft.com/office/drawing/2014/main" id="{20E97FB7-0BD7-D0E5-BB76-9803DD6DD46E}"/>
               </a:ext>
             </a:extLst>
           </p:cNvPr>
@@ -1846,7 +1846,7 @@
           <p:cNvPr id="9" name="灯片编号占位符 8">
             <a:extLst>
               <a:ext uri="{FF2B5EF4-FFF2-40B4-BE49-F238E27FC236}">
-                <a16:creationId xmlns:a16="http://schemas.microsoft.com/office/drawing/2014/main" id="{2E254B55-802D-0B6F-4319-012F60D993EB}"/>
+                <a16:creationId xmlns:a16="http://schemas.microsoft.com/office/drawing/2014/main" id="{F9DD0904-600C-ED58-06AA-E56CCCAC1468}"/>
               </a:ext>
             </a:extLst>
           </p:cNvPr>
@@ -1862,7 +1862,7 @@
           <a:bodyPr/>
           <a:lstStyle/>
           <a:p>
-            <a:fld id="{886915D8-C08D-4675-9495-03DAEEC9B294}" type="slidenum">
+            <a:fld id="{B135F376-383A-4709-8E2A-5C4810885492}" type="slidenum">
               <a:rPr lang="zh-CN" altLang="en-US" smtClean="0"/>
               <a:t>‹#›</a:t>
             </a:fld>
@@ -1873,7 +1873,7 @@
     </p:spTree>
     <p:extLst>
       <p:ext uri="{BB962C8B-B14F-4D97-AF65-F5344CB8AC3E}">
-        <p14:creationId xmlns:p14="http://schemas.microsoft.com/office/powerpoint/2010/main" val="2407697898"/>
+        <p14:creationId xmlns:p14="http://schemas.microsoft.com/office/powerpoint/2010/main" val="1793183246"/>
       </p:ext>
     </p:extLst>
   </p:cSld>
@@ -1905,7 +1905,7 @@
           <p:cNvPr id="2" name="标题 1">
             <a:extLst>
               <a:ext uri="{FF2B5EF4-FFF2-40B4-BE49-F238E27FC236}">
-                <a16:creationId xmlns:a16="http://schemas.microsoft.com/office/drawing/2014/main" id="{9C9CFE37-0D54-FA17-2A44-AA1623140142}"/>
+                <a16:creationId xmlns:a16="http://schemas.microsoft.com/office/drawing/2014/main" id="{59AD04CE-8963-2BC3-351D-7E03A9CCA16D}"/>
               </a:ext>
             </a:extLst>
           </p:cNvPr>
@@ -1933,7 +1933,7 @@
           <p:cNvPr id="3" name="日期占位符 2">
             <a:extLst>
               <a:ext uri="{FF2B5EF4-FFF2-40B4-BE49-F238E27FC236}">
-                <a16:creationId xmlns:a16="http://schemas.microsoft.com/office/drawing/2014/main" id="{955FAD3A-34D9-AAF2-ECFE-A7BD4E6E0D82}"/>
+                <a16:creationId xmlns:a16="http://schemas.microsoft.com/office/drawing/2014/main" id="{174DE6E3-850E-F9C3-5875-A3E9B4D3255A}"/>
               </a:ext>
             </a:extLst>
           </p:cNvPr>
@@ -1949,7 +1949,7 @@
           <a:bodyPr/>
           <a:lstStyle/>
           <a:p>
-            <a:fld id="{7E769DB2-2584-4C04-8BFE-38E373B0F723}" type="datetimeFigureOut">
+            <a:fld id="{3316294B-4E36-4581-9E71-41B113693FF1}" type="datetimeFigureOut">
               <a:rPr lang="zh-CN" altLang="en-US" smtClean="0"/>
               <a:t>2024/3/10</a:t>
             </a:fld>
@@ -1962,7 +1962,7 @@
           <p:cNvPr id="4" name="页脚占位符 3">
             <a:extLst>
               <a:ext uri="{FF2B5EF4-FFF2-40B4-BE49-F238E27FC236}">
-                <a16:creationId xmlns:a16="http://schemas.microsoft.com/office/drawing/2014/main" id="{47165B3E-81B5-40A5-6403-7EB12F7C1EF7}"/>
+                <a16:creationId xmlns:a16="http://schemas.microsoft.com/office/drawing/2014/main" id="{3C46A155-9105-F5F3-056E-CE92A8E125E3}"/>
               </a:ext>
             </a:extLst>
           </p:cNvPr>
@@ -1987,7 +1987,7 @@
           <p:cNvPr id="5" name="灯片编号占位符 4">
             <a:extLst>
               <a:ext uri="{FF2B5EF4-FFF2-40B4-BE49-F238E27FC236}">
-                <a16:creationId xmlns:a16="http://schemas.microsoft.com/office/drawing/2014/main" id="{DE6EAE8F-94B8-9820-1DA0-A891C5F7BF33}"/>
+                <a16:creationId xmlns:a16="http://schemas.microsoft.com/office/drawing/2014/main" id="{56EEC7AF-8B9B-BFB1-E9E9-301937DD96D2}"/>
               </a:ext>
             </a:extLst>
           </p:cNvPr>
@@ -2003,7 +2003,7 @@
           <a:bodyPr/>
           <a:lstStyle/>
           <a:p>
-            <a:fld id="{886915D8-C08D-4675-9495-03DAEEC9B294}" type="slidenum">
+            <a:fld id="{B135F376-383A-4709-8E2A-5C4810885492}" type="slidenum">
               <a:rPr lang="zh-CN" altLang="en-US" smtClean="0"/>
               <a:t>‹#›</a:t>
             </a:fld>
@@ -2014,7 +2014,7 @@
     </p:spTree>
     <p:extLst>
       <p:ext uri="{BB962C8B-B14F-4D97-AF65-F5344CB8AC3E}">
-        <p14:creationId xmlns:p14="http://schemas.microsoft.com/office/powerpoint/2010/main" val="2323382750"/>
+        <p14:creationId xmlns:p14="http://schemas.microsoft.com/office/powerpoint/2010/main" val="2196597642"/>
       </p:ext>
     </p:extLst>
   </p:cSld>
@@ -2046,7 +2046,7 @@
           <p:cNvPr id="2" name="日期占位符 1">
             <a:extLst>
               <a:ext uri="{FF2B5EF4-FFF2-40B4-BE49-F238E27FC236}">
-                <a16:creationId xmlns:a16="http://schemas.microsoft.com/office/drawing/2014/main" id="{489CE042-0B99-C7B1-283F-CDFBBC740B59}"/>
+                <a16:creationId xmlns:a16="http://schemas.microsoft.com/office/drawing/2014/main" id="{C4DDE782-D634-5BDB-8051-5673EDEE50DF}"/>
               </a:ext>
             </a:extLst>
           </p:cNvPr>
@@ -2062,7 +2062,7 @@
           <a:bodyPr/>
           <a:lstStyle/>
           <a:p>
-            <a:fld id="{7E769DB2-2584-4C04-8BFE-38E373B0F723}" type="datetimeFigureOut">
+            <a:fld id="{3316294B-4E36-4581-9E71-41B113693FF1}" type="datetimeFigureOut">
               <a:rPr lang="zh-CN" altLang="en-US" smtClean="0"/>
               <a:t>2024/3/10</a:t>
             </a:fld>
@@ -2075,7 +2075,7 @@
           <p:cNvPr id="3" name="页脚占位符 2">
             <a:extLst>
               <a:ext uri="{FF2B5EF4-FFF2-40B4-BE49-F238E27FC236}">
-                <a16:creationId xmlns:a16="http://schemas.microsoft.com/office/drawing/2014/main" id="{5C7BAC86-9B8B-7597-0E3D-472B1D600986}"/>
+                <a16:creationId xmlns:a16="http://schemas.microsoft.com/office/drawing/2014/main" id="{AF2C7ECD-4866-DF04-E04E-33985D95EE37}"/>
               </a:ext>
             </a:extLst>
           </p:cNvPr>
@@ -2100,7 +2100,7 @@
           <p:cNvPr id="4" name="灯片编号占位符 3">
             <a:extLst>
               <a:ext uri="{FF2B5EF4-FFF2-40B4-BE49-F238E27FC236}">
-                <a16:creationId xmlns:a16="http://schemas.microsoft.com/office/drawing/2014/main" id="{C701BBF3-E380-D3B1-406C-7671DA7A42B4}"/>
+                <a16:creationId xmlns:a16="http://schemas.microsoft.com/office/drawing/2014/main" id="{03BBBD3F-124A-9334-4C67-20F8E5930E98}"/>
               </a:ext>
             </a:extLst>
           </p:cNvPr>
@@ -2116,7 +2116,7 @@
           <a:bodyPr/>
           <a:lstStyle/>
           <a:p>
-            <a:fld id="{886915D8-C08D-4675-9495-03DAEEC9B294}" type="slidenum">
+            <a:fld id="{B135F376-383A-4709-8E2A-5C4810885492}" type="slidenum">
               <a:rPr lang="zh-CN" altLang="en-US" smtClean="0"/>
               <a:t>‹#›</a:t>
             </a:fld>
@@ -2127,7 +2127,7 @@
     </p:spTree>
     <p:extLst>
       <p:ext uri="{BB962C8B-B14F-4D97-AF65-F5344CB8AC3E}">
-        <p14:creationId xmlns:p14="http://schemas.microsoft.com/office/powerpoint/2010/main" val="3833345049"/>
+        <p14:creationId xmlns:p14="http://schemas.microsoft.com/office/powerpoint/2010/main" val="4034665864"/>
       </p:ext>
     </p:extLst>
   </p:cSld>
@@ -2159,7 +2159,7 @@
           <p:cNvPr id="2" name="标题 1">
             <a:extLst>
               <a:ext uri="{FF2B5EF4-FFF2-40B4-BE49-F238E27FC236}">
-                <a16:creationId xmlns:a16="http://schemas.microsoft.com/office/drawing/2014/main" id="{BD11DA64-DF0C-F7C4-394A-EA13223433E5}"/>
+                <a16:creationId xmlns:a16="http://schemas.microsoft.com/office/drawing/2014/main" id="{1CE40DA3-C084-F43E-3D69-E9D37C04CBC3}"/>
               </a:ext>
             </a:extLst>
           </p:cNvPr>
@@ -2196,7 +2196,7 @@
           <p:cNvPr id="3" name="内容占位符 2">
             <a:extLst>
               <a:ext uri="{FF2B5EF4-FFF2-40B4-BE49-F238E27FC236}">
-                <a16:creationId xmlns:a16="http://schemas.microsoft.com/office/drawing/2014/main" id="{93D3DC75-E22A-5E3E-3E99-4342F0D5BFA3}"/>
+                <a16:creationId xmlns:a16="http://schemas.microsoft.com/office/drawing/2014/main" id="{4B86D90A-99A7-A9F2-FBF5-EA4FEBA9C566}"/>
               </a:ext>
             </a:extLst>
           </p:cNvPr>
@@ -2286,7 +2286,7 @@
           <p:cNvPr id="4" name="文本占位符 3">
             <a:extLst>
               <a:ext uri="{FF2B5EF4-FFF2-40B4-BE49-F238E27FC236}">
-                <a16:creationId xmlns:a16="http://schemas.microsoft.com/office/drawing/2014/main" id="{7B45CD47-ED74-B8FE-3F60-7F4CBA6C625C}"/>
+                <a16:creationId xmlns:a16="http://schemas.microsoft.com/office/drawing/2014/main" id="{D945A602-416B-FF90-DCEC-DAD7FD7630F6}"/>
               </a:ext>
             </a:extLst>
           </p:cNvPr>
@@ -2357,7 +2357,7 @@
           <p:cNvPr id="5" name="日期占位符 4">
             <a:extLst>
               <a:ext uri="{FF2B5EF4-FFF2-40B4-BE49-F238E27FC236}">
-                <a16:creationId xmlns:a16="http://schemas.microsoft.com/office/drawing/2014/main" id="{24C208DF-3278-BD38-F1DD-967780D069BD}"/>
+                <a16:creationId xmlns:a16="http://schemas.microsoft.com/office/drawing/2014/main" id="{8FF52E64-95AB-5F7A-760A-2E8C9FF6F75C}"/>
               </a:ext>
             </a:extLst>
           </p:cNvPr>
@@ -2373,7 +2373,7 @@
           <a:bodyPr/>
           <a:lstStyle/>
           <a:p>
-            <a:fld id="{7E769DB2-2584-4C04-8BFE-38E373B0F723}" type="datetimeFigureOut">
+            <a:fld id="{3316294B-4E36-4581-9E71-41B113693FF1}" type="datetimeFigureOut">
               <a:rPr lang="zh-CN" altLang="en-US" smtClean="0"/>
               <a:t>2024/3/10</a:t>
             </a:fld>
@@ -2386,7 +2386,7 @@
           <p:cNvPr id="6" name="页脚占位符 5">
             <a:extLst>
               <a:ext uri="{FF2B5EF4-FFF2-40B4-BE49-F238E27FC236}">
-                <a16:creationId xmlns:a16="http://schemas.microsoft.com/office/drawing/2014/main" id="{E3ABCD70-89CD-A068-01DA-14CF3AD72594}"/>
+                <a16:creationId xmlns:a16="http://schemas.microsoft.com/office/drawing/2014/main" id="{3AE7C3E4-8151-D930-6B9E-C1B4766069C3}"/>
               </a:ext>
             </a:extLst>
           </p:cNvPr>
@@ -2411,7 +2411,7 @@
           <p:cNvPr id="7" name="灯片编号占位符 6">
             <a:extLst>
               <a:ext uri="{FF2B5EF4-FFF2-40B4-BE49-F238E27FC236}">
-                <a16:creationId xmlns:a16="http://schemas.microsoft.com/office/drawing/2014/main" id="{D42FCDFE-FCC2-8C23-417B-7A0EFFE46D73}"/>
+                <a16:creationId xmlns:a16="http://schemas.microsoft.com/office/drawing/2014/main" id="{147C7CAD-6451-8F65-3D69-897B36277453}"/>
               </a:ext>
             </a:extLst>
           </p:cNvPr>
@@ -2427,7 +2427,7 @@
           <a:bodyPr/>
           <a:lstStyle/>
           <a:p>
-            <a:fld id="{886915D8-C08D-4675-9495-03DAEEC9B294}" type="slidenum">
+            <a:fld id="{B135F376-383A-4709-8E2A-5C4810885492}" type="slidenum">
               <a:rPr lang="zh-CN" altLang="en-US" smtClean="0"/>
               <a:t>‹#›</a:t>
             </a:fld>
@@ -2438,7 +2438,7 @@
     </p:spTree>
     <p:extLst>
       <p:ext uri="{BB962C8B-B14F-4D97-AF65-F5344CB8AC3E}">
-        <p14:creationId xmlns:p14="http://schemas.microsoft.com/office/powerpoint/2010/main" val="3474530981"/>
+        <p14:creationId xmlns:p14="http://schemas.microsoft.com/office/powerpoint/2010/main" val="1137151392"/>
       </p:ext>
     </p:extLst>
   </p:cSld>
@@ -2470,7 +2470,7 @@
           <p:cNvPr id="2" name="标题 1">
             <a:extLst>
               <a:ext uri="{FF2B5EF4-FFF2-40B4-BE49-F238E27FC236}">
-                <a16:creationId xmlns:a16="http://schemas.microsoft.com/office/drawing/2014/main" id="{1D6DA5CF-09EF-00BC-E0D8-9C172B61C97E}"/>
+                <a16:creationId xmlns:a16="http://schemas.microsoft.com/office/drawing/2014/main" id="{34BD1927-6DD6-B99D-2EAB-2BB29C1BF2A3}"/>
               </a:ext>
             </a:extLst>
           </p:cNvPr>
@@ -2507,7 +2507,7 @@
           <p:cNvPr id="3" name="图片占位符 2">
             <a:extLst>
               <a:ext uri="{FF2B5EF4-FFF2-40B4-BE49-F238E27FC236}">
-                <a16:creationId xmlns:a16="http://schemas.microsoft.com/office/drawing/2014/main" id="{85C64253-381A-C6C3-07E3-48D0BFB899DB}"/>
+                <a16:creationId xmlns:a16="http://schemas.microsoft.com/office/drawing/2014/main" id="{44D8591C-9A24-FC6C-0F99-A1E73611013B}"/>
               </a:ext>
             </a:extLst>
           </p:cNvPr>
@@ -2574,7 +2574,7 @@
           <p:cNvPr id="4" name="文本占位符 3">
             <a:extLst>
               <a:ext uri="{FF2B5EF4-FFF2-40B4-BE49-F238E27FC236}">
-                <a16:creationId xmlns:a16="http://schemas.microsoft.com/office/drawing/2014/main" id="{CD41DF28-AF7E-EE6D-2036-5D6C01405649}"/>
+                <a16:creationId xmlns:a16="http://schemas.microsoft.com/office/drawing/2014/main" id="{D0C2F621-7C4F-15CB-A58C-183E563FB7D0}"/>
               </a:ext>
             </a:extLst>
           </p:cNvPr>
@@ -2645,7 +2645,7 @@
           <p:cNvPr id="5" name="日期占位符 4">
             <a:extLst>
               <a:ext uri="{FF2B5EF4-FFF2-40B4-BE49-F238E27FC236}">
-                <a16:creationId xmlns:a16="http://schemas.microsoft.com/office/drawing/2014/main" id="{88893DC2-7B53-57BE-AAC3-0590EF932AEB}"/>
+                <a16:creationId xmlns:a16="http://schemas.microsoft.com/office/drawing/2014/main" id="{E9A43E60-B680-B8FB-6DA6-11E9EF7EFD0F}"/>
               </a:ext>
             </a:extLst>
           </p:cNvPr>
@@ -2661,7 +2661,7 @@
           <a:bodyPr/>
           <a:lstStyle/>
           <a:p>
-            <a:fld id="{7E769DB2-2584-4C04-8BFE-38E373B0F723}" type="datetimeFigureOut">
+            <a:fld id="{3316294B-4E36-4581-9E71-41B113693FF1}" type="datetimeFigureOut">
               <a:rPr lang="zh-CN" altLang="en-US" smtClean="0"/>
               <a:t>2024/3/10</a:t>
             </a:fld>
@@ -2674,7 +2674,7 @@
           <p:cNvPr id="6" name="页脚占位符 5">
             <a:extLst>
               <a:ext uri="{FF2B5EF4-FFF2-40B4-BE49-F238E27FC236}">
-                <a16:creationId xmlns:a16="http://schemas.microsoft.com/office/drawing/2014/main" id="{97CF62D3-1F3F-3FBD-1D36-28D61F4E0E6C}"/>
+                <a16:creationId xmlns:a16="http://schemas.microsoft.com/office/drawing/2014/main" id="{605EA2EC-0791-82AE-B5CA-6F5D677562C1}"/>
               </a:ext>
             </a:extLst>
           </p:cNvPr>
@@ -2699,7 +2699,7 @@
           <p:cNvPr id="7" name="灯片编号占位符 6">
             <a:extLst>
               <a:ext uri="{FF2B5EF4-FFF2-40B4-BE49-F238E27FC236}">
-                <a16:creationId xmlns:a16="http://schemas.microsoft.com/office/drawing/2014/main" id="{A09DACF5-0E3D-96BB-6FA0-D3B4F504B0EE}"/>
+                <a16:creationId xmlns:a16="http://schemas.microsoft.com/office/drawing/2014/main" id="{9D5EFA5B-1F3A-CB1E-B0C8-ECEB906864D9}"/>
               </a:ext>
             </a:extLst>
           </p:cNvPr>
@@ -2715,7 +2715,7 @@
           <a:bodyPr/>
           <a:lstStyle/>
           <a:p>
-            <a:fld id="{886915D8-C08D-4675-9495-03DAEEC9B294}" type="slidenum">
+            <a:fld id="{B135F376-383A-4709-8E2A-5C4810885492}" type="slidenum">
               <a:rPr lang="zh-CN" altLang="en-US" smtClean="0"/>
               <a:t>‹#›</a:t>
             </a:fld>
@@ -2726,7 +2726,7 @@
     </p:spTree>
     <p:extLst>
       <p:ext uri="{BB962C8B-B14F-4D97-AF65-F5344CB8AC3E}">
-        <p14:creationId xmlns:p14="http://schemas.microsoft.com/office/powerpoint/2010/main" val="2377556813"/>
+        <p14:creationId xmlns:p14="http://schemas.microsoft.com/office/powerpoint/2010/main" val="1797134973"/>
       </p:ext>
     </p:extLst>
   </p:cSld>
@@ -2763,7 +2763,7 @@
           <p:cNvPr id="2" name="标题占位符 1">
             <a:extLst>
               <a:ext uri="{FF2B5EF4-FFF2-40B4-BE49-F238E27FC236}">
-                <a16:creationId xmlns:a16="http://schemas.microsoft.com/office/drawing/2014/main" id="{DEBA42AC-21BD-25A1-6C70-D22209050310}"/>
+                <a16:creationId xmlns:a16="http://schemas.microsoft.com/office/drawing/2014/main" id="{E4052A28-48F5-5CF5-3764-6C5664AB8629}"/>
               </a:ext>
             </a:extLst>
           </p:cNvPr>
@@ -2801,7 +2801,7 @@
           <p:cNvPr id="3" name="文本占位符 2">
             <a:extLst>
               <a:ext uri="{FF2B5EF4-FFF2-40B4-BE49-F238E27FC236}">
-                <a16:creationId xmlns:a16="http://schemas.microsoft.com/office/drawing/2014/main" id="{2786EB60-FEDE-FEAC-F161-48FB26764A5F}"/>
+                <a16:creationId xmlns:a16="http://schemas.microsoft.com/office/drawing/2014/main" id="{E065AB93-64FD-15FE-2873-A459AD94DCD6}"/>
               </a:ext>
             </a:extLst>
           </p:cNvPr>
@@ -2868,7 +2868,7 @@
           <p:cNvPr id="4" name="日期占位符 3">
             <a:extLst>
               <a:ext uri="{FF2B5EF4-FFF2-40B4-BE49-F238E27FC236}">
-                <a16:creationId xmlns:a16="http://schemas.microsoft.com/office/drawing/2014/main" id="{6A8C39D2-2F07-54A8-92C2-5465AE95F4EF}"/>
+                <a16:creationId xmlns:a16="http://schemas.microsoft.com/office/drawing/2014/main" id="{EE05CCFC-C9D2-48B5-33D5-F702777DE046}"/>
               </a:ext>
             </a:extLst>
           </p:cNvPr>
@@ -2902,7 +2902,7 @@
             </a:lvl1pPr>
           </a:lstStyle>
           <a:p>
-            <a:fld id="{7E769DB2-2584-4C04-8BFE-38E373B0F723}" type="datetimeFigureOut">
+            <a:fld id="{3316294B-4E36-4581-9E71-41B113693FF1}" type="datetimeFigureOut">
               <a:rPr lang="zh-CN" altLang="en-US" smtClean="0"/>
               <a:t>2024/3/10</a:t>
             </a:fld>
@@ -2915,7 +2915,7 @@
           <p:cNvPr id="5" name="页脚占位符 4">
             <a:extLst>
               <a:ext uri="{FF2B5EF4-FFF2-40B4-BE49-F238E27FC236}">
-                <a16:creationId xmlns:a16="http://schemas.microsoft.com/office/drawing/2014/main" id="{E3C24A39-43F3-3506-175C-071229BF167F}"/>
+                <a16:creationId xmlns:a16="http://schemas.microsoft.com/office/drawing/2014/main" id="{5B5AA609-19B3-B4F7-335C-17A6BF9B0D26}"/>
               </a:ext>
             </a:extLst>
           </p:cNvPr>
@@ -2958,7 +2958,7 @@
           <p:cNvPr id="6" name="灯片编号占位符 5">
             <a:extLst>
               <a:ext uri="{FF2B5EF4-FFF2-40B4-BE49-F238E27FC236}">
-                <a16:creationId xmlns:a16="http://schemas.microsoft.com/office/drawing/2014/main" id="{252F17C3-4F88-AAE7-0EFE-05F0D35D6F4C}"/>
+                <a16:creationId xmlns:a16="http://schemas.microsoft.com/office/drawing/2014/main" id="{080EB7C8-4C55-EAE6-1E2B-F282E7D42BCA}"/>
               </a:ext>
             </a:extLst>
           </p:cNvPr>
@@ -2992,7 +2992,7 @@
             </a:lvl1pPr>
           </a:lstStyle>
           <a:p>
-            <a:fld id="{886915D8-C08D-4675-9495-03DAEEC9B294}" type="slidenum">
+            <a:fld id="{B135F376-383A-4709-8E2A-5C4810885492}" type="slidenum">
               <a:rPr lang="zh-CN" altLang="en-US" smtClean="0"/>
               <a:t>‹#›</a:t>
             </a:fld>
@@ -3003,7 +3003,7 @@
     </p:spTree>
     <p:extLst>
       <p:ext uri="{BB962C8B-B14F-4D97-AF65-F5344CB8AC3E}">
-        <p14:creationId xmlns:p14="http://schemas.microsoft.com/office/powerpoint/2010/main" val="1747225745"/>
+        <p14:creationId xmlns:p14="http://schemas.microsoft.com/office/powerpoint/2010/main" val="1012555412"/>
       </p:ext>
     </p:extLst>
   </p:cSld>
